--- a/doc/Dataset-JSON-Hackathon-SAS-implementation-LexJansen.pptx
+++ b/doc/Dataset-JSON-Hackathon-SAS-implementation-LexJansen.pptx
@@ -3362,8 +3362,8 @@
         </p:nvSpPr>
         <p:spPr>
           <a:xfrm>
-            <a:off x="650081" y="994172"/>
-            <a:ext cx="6976403" cy="3638551"/>
+            <a:off x="714933" y="825560"/>
+            <a:ext cx="4881714" cy="3638551"/>
           </a:xfrm>
         </p:spPr>
         <p:txBody>
@@ -3390,6 +3390,9 @@
               <a:rPr lang="en-US" dirty="0"/>
               <a:t> </a:t>
             </a:r>
+            <a:br>
+              <a:rPr lang="en-US" dirty="0"/>
+            </a:br>
             <a:r>
               <a:rPr lang="en-US" dirty="0">
                 <a:hlinkClick r:id="rId2"/>
@@ -3412,13 +3415,8 @@
             </a:br>
             <a:r>
               <a:rPr lang="en-US" dirty="0"/>
-              <a:t>Metadata from Define-XML is read with Lua and used to for validation purposes and as </a:t>
-            </a:r>
-            <a:r>
-              <a:rPr lang="en-US"/>
-              <a:t>pre-specified metadata.</a:t>
-            </a:r>
-            <a:endParaRPr lang="en-US" dirty="0"/>
+              <a:t>Metadata from Define-XML is read with Lua and used to for validation purposes and as pre-specified metadata.</a:t>
+            </a:r>
           </a:p>
           <a:p>
             <a:r>
@@ -3505,6 +3503,66 @@
           </a:p>
         </p:txBody>
       </p:sp>
+      <p:pic>
+        <p:nvPicPr>
+          <p:cNvPr id="7" name="Picture 6">
+            <a:extLst>
+              <a:ext uri="{FF2B5EF4-FFF2-40B4-BE49-F238E27FC236}">
+                <a16:creationId xmlns:a16="http://schemas.microsoft.com/office/drawing/2014/main" id="{1E2E2DB6-45A3-4A3C-B2F0-16930E67F438}"/>
+              </a:ext>
+            </a:extLst>
+          </p:cNvPr>
+          <p:cNvPicPr>
+            <a:picLocks noChangeAspect="1"/>
+          </p:cNvPicPr>
+          <p:nvPr/>
+        </p:nvPicPr>
+        <p:blipFill>
+          <a:blip r:embed="rId3"/>
+          <a:stretch>
+            <a:fillRect/>
+          </a:stretch>
+        </p:blipFill>
+        <p:spPr>
+          <a:xfrm>
+            <a:off x="5733906" y="935012"/>
+            <a:ext cx="3306965" cy="1526735"/>
+          </a:xfrm>
+          <a:prstGeom prst="rect">
+            <a:avLst/>
+          </a:prstGeom>
+        </p:spPr>
+      </p:pic>
+      <p:pic>
+        <p:nvPicPr>
+          <p:cNvPr id="9" name="Picture 8">
+            <a:extLst>
+              <a:ext uri="{FF2B5EF4-FFF2-40B4-BE49-F238E27FC236}">
+                <a16:creationId xmlns:a16="http://schemas.microsoft.com/office/drawing/2014/main" id="{D76D64C0-4789-421B-8A4E-BF2A0350CE14}"/>
+              </a:ext>
+            </a:extLst>
+          </p:cNvPr>
+          <p:cNvPicPr>
+            <a:picLocks noChangeAspect="1"/>
+          </p:cNvPicPr>
+          <p:nvPr/>
+        </p:nvPicPr>
+        <p:blipFill>
+          <a:blip r:embed="rId4"/>
+          <a:stretch>
+            <a:fillRect/>
+          </a:stretch>
+        </p:blipFill>
+        <p:spPr>
+          <a:xfrm>
+            <a:off x="5733905" y="2749381"/>
+            <a:ext cx="3306965" cy="1565218"/>
+          </a:xfrm>
+          <a:prstGeom prst="rect">
+            <a:avLst/>
+          </a:prstGeom>
+        </p:spPr>
+      </p:pic>
     </p:spTree>
     <p:extLst>
       <p:ext uri="{BB962C8B-B14F-4D97-AF65-F5344CB8AC3E}">
@@ -4379,18 +4437,6 @@
 </file>
 
 <file path=customXml/item2.xml><?xml version="1.0" encoding="utf-8"?>
-<p:properties xmlns:p="http://schemas.microsoft.com/office/2006/metadata/properties" xmlns:xsi="http://www.w3.org/2001/XMLSchema-instance" xmlns:pc="http://schemas.microsoft.com/office/infopath/2007/PartnerControls">
-  <documentManagement>
-    <MediaLengthInSeconds xmlns="e4bfa1c1-cbed-43b5-9d42-fe24faecfd28" xsi:nil="true"/>
-    <lcf76f155ced4ddcb4097134ff3c332f xmlns="e4bfa1c1-cbed-43b5-9d42-fe24faecfd28">
-      <Terms xmlns="http://schemas.microsoft.com/office/infopath/2007/PartnerControls"/>
-    </lcf76f155ced4ddcb4097134ff3c332f>
-    <TaxCatchAll xmlns="6942efca-e753-43c0-b995-a96645848828" xsi:nil="true"/>
-  </documentManagement>
-</p:properties>
-</file>
-
-<file path=customXml/item3.xml><?xml version="1.0" encoding="utf-8"?>
 <ct:contentTypeSchema xmlns:ct="http://schemas.microsoft.com/office/2006/metadata/contentType" xmlns:ma="http://schemas.microsoft.com/office/2006/metadata/properties/metaAttributes" ct:_="" ma:_="" ma:contentTypeName="Document" ma:contentTypeID="0x0101005A6A1B337AA7BA4E952C4E740E353475" ma:contentTypeVersion="13" ma:contentTypeDescription="Create a new document." ma:contentTypeScope="" ma:versionID="c37cfd79050db6a25620d78daee6be26">
   <xsd:schema xmlns:xsd="http://www.w3.org/2001/XMLSchema" xmlns:xs="http://www.w3.org/2001/XMLSchema" xmlns:p="http://schemas.microsoft.com/office/2006/metadata/properties" xmlns:ns2="e4bfa1c1-cbed-43b5-9d42-fe24faecfd28" xmlns:ns3="6942efca-e753-43c0-b995-a96645848828" targetNamespace="http://schemas.microsoft.com/office/2006/metadata/properties" ma:root="true" ma:fieldsID="77e30390f662fc7d374527f5046b1bfd" ns2:_="" ns3:_="">
     <xsd:import namespace="e4bfa1c1-cbed-43b5-9d42-fe24faecfd28"/>
@@ -4599,6 +4645,18 @@
 </ct:contentTypeSchema>
 </file>
 
+<file path=customXml/item3.xml><?xml version="1.0" encoding="utf-8"?>
+<p:properties xmlns:p="http://schemas.microsoft.com/office/2006/metadata/properties" xmlns:xsi="http://www.w3.org/2001/XMLSchema-instance" xmlns:pc="http://schemas.microsoft.com/office/infopath/2007/PartnerControls">
+  <documentManagement>
+    <MediaLengthInSeconds xmlns="e4bfa1c1-cbed-43b5-9d42-fe24faecfd28" xsi:nil="true"/>
+    <lcf76f155ced4ddcb4097134ff3c332f xmlns="e4bfa1c1-cbed-43b5-9d42-fe24faecfd28">
+      <Terms xmlns="http://schemas.microsoft.com/office/infopath/2007/PartnerControls"/>
+    </lcf76f155ced4ddcb4097134ff3c332f>
+    <TaxCatchAll xmlns="6942efca-e753-43c0-b995-a96645848828" xsi:nil="true"/>
+  </documentManagement>
+</p:properties>
+</file>
+
 <file path=customXml/itemProps1.xml><?xml version="1.0" encoding="utf-8"?>
 <ds:datastoreItem xmlns:ds="http://schemas.openxmlformats.org/officeDocument/2006/customXml" ds:itemID="{3B69330B-154C-43B9-AAF7-1A571867C6C9}">
   <ds:schemaRefs>
@@ -4608,6 +4666,25 @@
 </file>
 
 <file path=customXml/itemProps2.xml><?xml version="1.0" encoding="utf-8"?>
+<ds:datastoreItem xmlns:ds="http://schemas.openxmlformats.org/officeDocument/2006/customXml" ds:itemID="{B03281B0-DB90-43CF-97C9-8642ABDCB1EA}">
+  <ds:schemaRefs>
+    <ds:schemaRef ds:uri="http://schemas.microsoft.com/office/2006/metadata/contentType"/>
+    <ds:schemaRef ds:uri="http://schemas.microsoft.com/office/2006/metadata/properties/metaAttributes"/>
+    <ds:schemaRef ds:uri="http://www.w3.org/2001/XMLSchema"/>
+    <ds:schemaRef ds:uri="http://schemas.microsoft.com/office/2006/metadata/properties"/>
+    <ds:schemaRef ds:uri="e4bfa1c1-cbed-43b5-9d42-fe24faecfd28"/>
+    <ds:schemaRef ds:uri="6942efca-e753-43c0-b995-a96645848828"/>
+    <ds:schemaRef ds:uri="http://schemas.microsoft.com/office/2006/documentManagement/types"/>
+    <ds:schemaRef ds:uri="http://schemas.microsoft.com/office/infopath/2007/PartnerControls"/>
+    <ds:schemaRef ds:uri="http://schemas.openxmlformats.org/package/2006/metadata/core-properties"/>
+    <ds:schemaRef ds:uri="http://purl.org/dc/elements/1.1/"/>
+    <ds:schemaRef ds:uri="http://purl.org/dc/terms/"/>
+    <ds:schemaRef ds:uri="http://schemas.microsoft.com/internal/obd"/>
+  </ds:schemaRefs>
+</ds:datastoreItem>
+</file>
+
+<file path=customXml/itemProps3.xml><?xml version="1.0" encoding="utf-8"?>
 <ds:datastoreItem xmlns:ds="http://schemas.openxmlformats.org/officeDocument/2006/customXml" ds:itemID="{EB3EAD0D-AD33-4DE9-A04C-ADBA8D81216E}">
   <ds:schemaRefs>
     <ds:schemaRef ds:uri="http://schemas.microsoft.com/office/2006/metadata/properties"/>
@@ -4624,23 +4701,4 @@
     <ds:schemaRef ds:uri="6942efca-e753-43c0-b995-a96645848828"/>
   </ds:schemaRefs>
 </ds:datastoreItem>
-</file>
-
-<file path=customXml/itemProps3.xml><?xml version="1.0" encoding="utf-8"?>
-<ds:datastoreItem xmlns:ds="http://schemas.openxmlformats.org/officeDocument/2006/customXml" ds:itemID="{B03281B0-DB90-43CF-97C9-8642ABDCB1EA}">
-  <ds:schemaRefs>
-    <ds:schemaRef ds:uri="http://schemas.microsoft.com/office/2006/metadata/contentType"/>
-    <ds:schemaRef ds:uri="http://schemas.microsoft.com/office/2006/metadata/properties/metaAttributes"/>
-    <ds:schemaRef ds:uri="http://www.w3.org/2001/XMLSchema"/>
-    <ds:schemaRef ds:uri="http://schemas.microsoft.com/office/2006/metadata/properties"/>
-    <ds:schemaRef ds:uri="e4bfa1c1-cbed-43b5-9d42-fe24faecfd28"/>
-    <ds:schemaRef ds:uri="6942efca-e753-43c0-b995-a96645848828"/>
-    <ds:schemaRef ds:uri="http://schemas.microsoft.com/office/2006/documentManagement/types"/>
-    <ds:schemaRef ds:uri="http://schemas.microsoft.com/office/infopath/2007/PartnerControls"/>
-    <ds:schemaRef ds:uri="http://schemas.openxmlformats.org/package/2006/metadata/core-properties"/>
-    <ds:schemaRef ds:uri="http://purl.org/dc/elements/1.1/"/>
-    <ds:schemaRef ds:uri="http://purl.org/dc/terms/"/>
-    <ds:schemaRef ds:uri="http://schemas.microsoft.com/internal/obd"/>
-  </ds:schemaRefs>
-</ds:datastoreItem>
 </file>
--- a/doc/Dataset-JSON-Hackathon-SAS-implementation-LexJansen.pptx
+++ b/doc/Dataset-JSON-Hackathon-SAS-implementation-LexJansen.pptx
@@ -5,13 +5,17 @@
     <p:sldMasterId id="2147483674" r:id="rId4"/>
   </p:sldMasterIdLst>
   <p:notesMasterIdLst>
-    <p:notesMasterId r:id="rId6"/>
+    <p:notesMasterId r:id="rId10"/>
   </p:notesMasterIdLst>
   <p:handoutMasterIdLst>
-    <p:handoutMasterId r:id="rId7"/>
+    <p:handoutMasterId r:id="rId11"/>
   </p:handoutMasterIdLst>
   <p:sldIdLst>
-    <p:sldId id="276" r:id="rId5"/>
+    <p:sldId id="278" r:id="rId5"/>
+    <p:sldId id="276" r:id="rId6"/>
+    <p:sldId id="280" r:id="rId7"/>
+    <p:sldId id="277" r:id="rId8"/>
+    <p:sldId id="279" r:id="rId9"/>
   </p:sldIdLst>
   <p:sldSz cx="9144000" cy="5143500" type="screen16x9"/>
   <p:notesSz cx="6858000" cy="9144000"/>
@@ -463,7 +467,7 @@
           <a:p>
             <a:fld id="{DF2B9998-7FC2-40BB-812D-D42712794F0A}" type="datetimeFigureOut">
               <a:rPr lang="en-US" smtClean="0"/>
-              <a:t>2022-10-13</a:t>
+              <a:t>2022-12-08</a:t>
             </a:fld>
             <a:endParaRPr lang="en-US"/>
           </a:p>
@@ -640,7 +644,7 @@
           <a:p>
             <a:fld id="{19EE1A3E-C737-584E-86B0-F484DE311626}" type="datetimeFigureOut">
               <a:rPr lang="en-US" smtClean="0"/>
-              <a:t>2022-10-13</a:t>
+              <a:t>2022-12-08</a:t>
             </a:fld>
             <a:endParaRPr lang="en-US"/>
           </a:p>
@@ -2874,7 +2878,7 @@
             <a:fld id="{A39D7527-A277-E24D-9A56-20081ADC979C}" type="datetime1">
               <a:rPr lang="en-US" smtClean="0"/>
               <a:pPr/>
-              <a:t>2022-10-13</a:t>
+              <a:t>2022-12-08</a:t>
             </a:fld>
             <a:endParaRPr lang="en-US" dirty="0"/>
           </a:p>
@@ -3362,8 +3366,8 @@
         </p:nvSpPr>
         <p:spPr>
           <a:xfrm>
-            <a:off x="714933" y="825560"/>
-            <a:ext cx="4881714" cy="3638551"/>
+            <a:off x="714932" y="825560"/>
+            <a:ext cx="7780557" cy="3638551"/>
           </a:xfrm>
         </p:spPr>
         <p:txBody>
@@ -3472,12 +3476,42 @@
           </a:p>
         </p:txBody>
       </p:sp>
-      <p:sp>
-        <p:nvSpPr>
-          <p:cNvPr id="5" name="Footer Placeholder 4">
+    </p:spTree>
+    <p:extLst>
+      <p:ext uri="{BB962C8B-B14F-4D97-AF65-F5344CB8AC3E}">
+        <p14:creationId xmlns:p14="http://schemas.microsoft.com/office/powerpoint/2010/main" val="2488557875"/>
+      </p:ext>
+    </p:extLst>
+  </p:cSld>
+  <p:clrMapOvr>
+    <a:masterClrMapping/>
+  </p:clrMapOvr>
+</p:sld>
+</file>
+
+<file path=ppt/slides/slide2.xml><?xml version="1.0" encoding="utf-8"?>
+<p:sld xmlns:a="http://schemas.openxmlformats.org/drawingml/2006/main" xmlns:r="http://schemas.openxmlformats.org/officeDocument/2006/relationships" xmlns:p="http://schemas.openxmlformats.org/presentationml/2006/main">
+  <p:cSld>
+    <p:spTree>
+      <p:nvGrpSpPr>
+        <p:cNvPr id="1" name=""/>
+        <p:cNvGrpSpPr/>
+        <p:nvPr/>
+      </p:nvGrpSpPr>
+      <p:grpSpPr>
+        <a:xfrm>
+          <a:off x="0" y="0"/>
+          <a:ext cx="0" cy="0"/>
+          <a:chOff x="0" y="0"/>
+          <a:chExt cx="0" cy="0"/>
+        </a:xfrm>
+      </p:grpSpPr>
+      <p:sp>
+        <p:nvSpPr>
+          <p:cNvPr id="2" name="Title 1">
             <a:extLst>
               <a:ext uri="{FF2B5EF4-FFF2-40B4-BE49-F238E27FC236}">
-                <a16:creationId xmlns:a16="http://schemas.microsoft.com/office/drawing/2014/main" id="{0E268BC5-41AC-472C-4524-9F0F267803A9}"/>
+                <a16:creationId xmlns:a16="http://schemas.microsoft.com/office/drawing/2014/main" id="{94FD4EFC-D48A-DA3F-61E2-FA850FA6542E}"/>
               </a:ext>
             </a:extLst>
           </p:cNvPr>
@@ -3485,7 +3519,7 @@
             <a:spLocks noGrp="1"/>
           </p:cNvSpPr>
           <p:nvPr>
-            <p:ph type="ftr" sz="quarter" idx="3"/>
+            <p:ph type="title"/>
           </p:nvPr>
         </p:nvSpPr>
         <p:spPr/>
@@ -3494,12 +3528,38 @@
           <a:lstStyle/>
           <a:p>
             <a:r>
-              <a:rPr lang="en-US"/>
-              <a:t>CDISC 2022 US Interchange | #CDISCUS #ClearDataClearImpact</a:t>
-            </a:r>
-          </a:p>
-          <a:p>
-            <a:endParaRPr lang="en-US" dirty="0"/>
+              <a:rPr lang="en-US" dirty="0"/>
+              <a:t>Using metadata</a:t>
+            </a:r>
+          </a:p>
+        </p:txBody>
+      </p:sp>
+      <p:sp>
+        <p:nvSpPr>
+          <p:cNvPr id="4" name="Slide Number Placeholder 3">
+            <a:extLst>
+              <a:ext uri="{FF2B5EF4-FFF2-40B4-BE49-F238E27FC236}">
+                <a16:creationId xmlns:a16="http://schemas.microsoft.com/office/drawing/2014/main" id="{6041F5D2-0822-CEBB-241C-9E51B349A05C}"/>
+              </a:ext>
+            </a:extLst>
+          </p:cNvPr>
+          <p:cNvSpPr>
+            <a:spLocks noGrp="1"/>
+          </p:cNvSpPr>
+          <p:nvPr>
+            <p:ph type="sldNum" sz="quarter" idx="12"/>
+          </p:nvPr>
+        </p:nvSpPr>
+        <p:spPr/>
+        <p:txBody>
+          <a:bodyPr/>
+          <a:lstStyle/>
+          <a:p>
+            <a:fld id="{EB4FF9C4-EEBF-D24D-8A4E-C0B9CCE3F975}" type="slidenum">
+              <a:rPr lang="en-US" smtClean="0"/>
+              <a:t>2</a:t>
+            </a:fld>
+            <a:endParaRPr lang="en-US"/>
           </a:p>
         </p:txBody>
       </p:sp>
@@ -3508,7 +3568,7 @@
           <p:cNvPr id="7" name="Picture 6">
             <a:extLst>
               <a:ext uri="{FF2B5EF4-FFF2-40B4-BE49-F238E27FC236}">
-                <a16:creationId xmlns:a16="http://schemas.microsoft.com/office/drawing/2014/main" id="{1E2E2DB6-45A3-4A3C-B2F0-16930E67F438}"/>
+                <a16:creationId xmlns:a16="http://schemas.microsoft.com/office/drawing/2014/main" id="{90DA35BB-00AB-496A-AE08-919216FF7E2C}"/>
               </a:ext>
             </a:extLst>
           </p:cNvPr>
@@ -3518,45 +3578,15 @@
           <p:nvPr/>
         </p:nvPicPr>
         <p:blipFill>
-          <a:blip r:embed="rId3"/>
+          <a:blip r:embed="rId2"/>
           <a:stretch>
             <a:fillRect/>
           </a:stretch>
         </p:blipFill>
         <p:spPr>
           <a:xfrm>
-            <a:off x="5733906" y="935012"/>
-            <a:ext cx="3306965" cy="1526735"/>
-          </a:xfrm>
-          <a:prstGeom prst="rect">
-            <a:avLst/>
-          </a:prstGeom>
-        </p:spPr>
-      </p:pic>
-      <p:pic>
-        <p:nvPicPr>
-          <p:cNvPr id="9" name="Picture 8">
-            <a:extLst>
-              <a:ext uri="{FF2B5EF4-FFF2-40B4-BE49-F238E27FC236}">
-                <a16:creationId xmlns:a16="http://schemas.microsoft.com/office/drawing/2014/main" id="{D76D64C0-4789-421B-8A4E-BF2A0350CE14}"/>
-              </a:ext>
-            </a:extLst>
-          </p:cNvPr>
-          <p:cNvPicPr>
-            <a:picLocks noChangeAspect="1"/>
-          </p:cNvPicPr>
-          <p:nvPr/>
-        </p:nvPicPr>
-        <p:blipFill>
-          <a:blip r:embed="rId4"/>
-          <a:stretch>
-            <a:fillRect/>
-          </a:stretch>
-        </p:blipFill>
-        <p:spPr>
-          <a:xfrm>
-            <a:off x="5733905" y="2749381"/>
-            <a:ext cx="3306965" cy="1565218"/>
+            <a:off x="2014430" y="709010"/>
+            <a:ext cx="5852808" cy="4262739"/>
           </a:xfrm>
           <a:prstGeom prst="rect">
             <a:avLst/>
@@ -3567,6 +3597,357 @@
     <p:extLst>
       <p:ext uri="{BB962C8B-B14F-4D97-AF65-F5344CB8AC3E}">
         <p14:creationId xmlns:p14="http://schemas.microsoft.com/office/powerpoint/2010/main" val="3176550691"/>
+      </p:ext>
+    </p:extLst>
+  </p:cSld>
+  <p:clrMapOvr>
+    <a:masterClrMapping/>
+  </p:clrMapOvr>
+</p:sld>
+</file>
+
+<file path=ppt/slides/slide3.xml><?xml version="1.0" encoding="utf-8"?>
+<p:sld xmlns:a="http://schemas.openxmlformats.org/drawingml/2006/main" xmlns:r="http://schemas.openxmlformats.org/officeDocument/2006/relationships" xmlns:p="http://schemas.openxmlformats.org/presentationml/2006/main">
+  <p:cSld>
+    <p:spTree>
+      <p:nvGrpSpPr>
+        <p:cNvPr id="1" name=""/>
+        <p:cNvGrpSpPr/>
+        <p:nvPr/>
+      </p:nvGrpSpPr>
+      <p:grpSpPr>
+        <a:xfrm>
+          <a:off x="0" y="0"/>
+          <a:ext cx="0" cy="0"/>
+          <a:chOff x="0" y="0"/>
+          <a:chExt cx="0" cy="0"/>
+        </a:xfrm>
+      </p:grpSpPr>
+      <p:sp>
+        <p:nvSpPr>
+          <p:cNvPr id="2" name="Title 1">
+            <a:extLst>
+              <a:ext uri="{FF2B5EF4-FFF2-40B4-BE49-F238E27FC236}">
+                <a16:creationId xmlns:a16="http://schemas.microsoft.com/office/drawing/2014/main" id="{94FD4EFC-D48A-DA3F-61E2-FA850FA6542E}"/>
+              </a:ext>
+            </a:extLst>
+          </p:cNvPr>
+          <p:cNvSpPr>
+            <a:spLocks noGrp="1"/>
+          </p:cNvSpPr>
+          <p:nvPr>
+            <p:ph type="title"/>
+          </p:nvPr>
+        </p:nvSpPr>
+        <p:spPr/>
+        <p:txBody>
+          <a:bodyPr/>
+          <a:lstStyle/>
+          <a:p>
+            <a:r>
+              <a:rPr lang="en-US" dirty="0"/>
+              <a:t>Reading Dataset-JSON</a:t>
+            </a:r>
+          </a:p>
+        </p:txBody>
+      </p:sp>
+      <p:sp>
+        <p:nvSpPr>
+          <p:cNvPr id="4" name="Slide Number Placeholder 3">
+            <a:extLst>
+              <a:ext uri="{FF2B5EF4-FFF2-40B4-BE49-F238E27FC236}">
+                <a16:creationId xmlns:a16="http://schemas.microsoft.com/office/drawing/2014/main" id="{6041F5D2-0822-CEBB-241C-9E51B349A05C}"/>
+              </a:ext>
+            </a:extLst>
+          </p:cNvPr>
+          <p:cNvSpPr>
+            <a:spLocks noGrp="1"/>
+          </p:cNvSpPr>
+          <p:nvPr>
+            <p:ph type="sldNum" sz="quarter" idx="12"/>
+          </p:nvPr>
+        </p:nvSpPr>
+        <p:spPr/>
+        <p:txBody>
+          <a:bodyPr/>
+          <a:lstStyle/>
+          <a:p>
+            <a:fld id="{EB4FF9C4-EEBF-D24D-8A4E-C0B9CCE3F975}" type="slidenum">
+              <a:rPr lang="en-US" smtClean="0"/>
+              <a:t>3</a:t>
+            </a:fld>
+            <a:endParaRPr lang="en-US"/>
+          </a:p>
+        </p:txBody>
+      </p:sp>
+      <p:pic>
+        <p:nvPicPr>
+          <p:cNvPr id="10" name="Picture 9">
+            <a:extLst>
+              <a:ext uri="{FF2B5EF4-FFF2-40B4-BE49-F238E27FC236}">
+                <a16:creationId xmlns:a16="http://schemas.microsoft.com/office/drawing/2014/main" id="{133208DD-1B12-4B67-BE35-A4DC1ECD0E08}"/>
+              </a:ext>
+            </a:extLst>
+          </p:cNvPr>
+          <p:cNvPicPr>
+            <a:picLocks noChangeAspect="1"/>
+          </p:cNvPicPr>
+          <p:nvPr/>
+        </p:nvPicPr>
+        <p:blipFill>
+          <a:blip r:embed="rId2"/>
+          <a:stretch>
+            <a:fillRect/>
+          </a:stretch>
+        </p:blipFill>
+        <p:spPr>
+          <a:xfrm>
+            <a:off x="800100" y="945717"/>
+            <a:ext cx="5104762" cy="3342857"/>
+          </a:xfrm>
+          <a:prstGeom prst="rect">
+            <a:avLst/>
+          </a:prstGeom>
+        </p:spPr>
+      </p:pic>
+    </p:spTree>
+    <p:extLst>
+      <p:ext uri="{BB962C8B-B14F-4D97-AF65-F5344CB8AC3E}">
+        <p14:creationId xmlns:p14="http://schemas.microsoft.com/office/powerpoint/2010/main" val="616607396"/>
+      </p:ext>
+    </p:extLst>
+  </p:cSld>
+  <p:clrMapOvr>
+    <a:masterClrMapping/>
+  </p:clrMapOvr>
+</p:sld>
+</file>
+
+<file path=ppt/slides/slide4.xml><?xml version="1.0" encoding="utf-8"?>
+<p:sld xmlns:a="http://schemas.openxmlformats.org/drawingml/2006/main" xmlns:r="http://schemas.openxmlformats.org/officeDocument/2006/relationships" xmlns:p="http://schemas.openxmlformats.org/presentationml/2006/main">
+  <p:cSld>
+    <p:spTree>
+      <p:nvGrpSpPr>
+        <p:cNvPr id="1" name=""/>
+        <p:cNvGrpSpPr/>
+        <p:nvPr/>
+      </p:nvGrpSpPr>
+      <p:grpSpPr>
+        <a:xfrm>
+          <a:off x="0" y="0"/>
+          <a:ext cx="0" cy="0"/>
+          <a:chOff x="0" y="0"/>
+          <a:chExt cx="0" cy="0"/>
+        </a:xfrm>
+      </p:grpSpPr>
+      <p:sp>
+        <p:nvSpPr>
+          <p:cNvPr id="2" name="Title 1">
+            <a:extLst>
+              <a:ext uri="{FF2B5EF4-FFF2-40B4-BE49-F238E27FC236}">
+                <a16:creationId xmlns:a16="http://schemas.microsoft.com/office/drawing/2014/main" id="{94FD4EFC-D48A-DA3F-61E2-FA850FA6542E}"/>
+              </a:ext>
+            </a:extLst>
+          </p:cNvPr>
+          <p:cNvSpPr>
+            <a:spLocks noGrp="1"/>
+          </p:cNvSpPr>
+          <p:nvPr>
+            <p:ph type="title"/>
+          </p:nvPr>
+        </p:nvSpPr>
+        <p:spPr/>
+        <p:txBody>
+          <a:bodyPr/>
+          <a:lstStyle/>
+          <a:p>
+            <a:r>
+              <a:rPr lang="en-US" dirty="0"/>
+              <a:t>Writing Dataset-JSON</a:t>
+            </a:r>
+          </a:p>
+        </p:txBody>
+      </p:sp>
+      <p:sp>
+        <p:nvSpPr>
+          <p:cNvPr id="4" name="Slide Number Placeholder 3">
+            <a:extLst>
+              <a:ext uri="{FF2B5EF4-FFF2-40B4-BE49-F238E27FC236}">
+                <a16:creationId xmlns:a16="http://schemas.microsoft.com/office/drawing/2014/main" id="{6041F5D2-0822-CEBB-241C-9E51B349A05C}"/>
+              </a:ext>
+            </a:extLst>
+          </p:cNvPr>
+          <p:cNvSpPr>
+            <a:spLocks noGrp="1"/>
+          </p:cNvSpPr>
+          <p:nvPr>
+            <p:ph type="sldNum" sz="quarter" idx="12"/>
+          </p:nvPr>
+        </p:nvSpPr>
+        <p:spPr/>
+        <p:txBody>
+          <a:bodyPr/>
+          <a:lstStyle/>
+          <a:p>
+            <a:fld id="{EB4FF9C4-EEBF-D24D-8A4E-C0B9CCE3F975}" type="slidenum">
+              <a:rPr lang="en-US" smtClean="0"/>
+              <a:t>4</a:t>
+            </a:fld>
+            <a:endParaRPr lang="en-US"/>
+          </a:p>
+        </p:txBody>
+      </p:sp>
+      <p:pic>
+        <p:nvPicPr>
+          <p:cNvPr id="13" name="Picture 12">
+            <a:extLst>
+              <a:ext uri="{FF2B5EF4-FFF2-40B4-BE49-F238E27FC236}">
+                <a16:creationId xmlns:a16="http://schemas.microsoft.com/office/drawing/2014/main" id="{C6833762-ADD0-48D9-A656-DDBFF2ED31D5}"/>
+              </a:ext>
+            </a:extLst>
+          </p:cNvPr>
+          <p:cNvPicPr>
+            <a:picLocks noChangeAspect="1"/>
+          </p:cNvPicPr>
+          <p:nvPr/>
+        </p:nvPicPr>
+        <p:blipFill>
+          <a:blip r:embed="rId2"/>
+          <a:stretch>
+            <a:fillRect/>
+          </a:stretch>
+        </p:blipFill>
+        <p:spPr>
+          <a:xfrm>
+            <a:off x="800100" y="805083"/>
+            <a:ext cx="5266667" cy="3533333"/>
+          </a:xfrm>
+          <a:prstGeom prst="rect">
+            <a:avLst/>
+          </a:prstGeom>
+        </p:spPr>
+      </p:pic>
+    </p:spTree>
+    <p:extLst>
+      <p:ext uri="{BB962C8B-B14F-4D97-AF65-F5344CB8AC3E}">
+        <p14:creationId xmlns:p14="http://schemas.microsoft.com/office/powerpoint/2010/main" val="857763253"/>
+      </p:ext>
+    </p:extLst>
+  </p:cSld>
+  <p:clrMapOvr>
+    <a:masterClrMapping/>
+  </p:clrMapOvr>
+</p:sld>
+</file>
+
+<file path=ppt/slides/slide5.xml><?xml version="1.0" encoding="utf-8"?>
+<p:sld xmlns:a="http://schemas.openxmlformats.org/drawingml/2006/main" xmlns:r="http://schemas.openxmlformats.org/officeDocument/2006/relationships" xmlns:p="http://schemas.openxmlformats.org/presentationml/2006/main">
+  <p:cSld>
+    <p:spTree>
+      <p:nvGrpSpPr>
+        <p:cNvPr id="1" name=""/>
+        <p:cNvGrpSpPr/>
+        <p:nvPr/>
+      </p:nvGrpSpPr>
+      <p:grpSpPr>
+        <a:xfrm>
+          <a:off x="0" y="0"/>
+          <a:ext cx="0" cy="0"/>
+          <a:chOff x="0" y="0"/>
+          <a:chExt cx="0" cy="0"/>
+        </a:xfrm>
+      </p:grpSpPr>
+      <p:sp>
+        <p:nvSpPr>
+          <p:cNvPr id="2" name="Title 1">
+            <a:extLst>
+              <a:ext uri="{FF2B5EF4-FFF2-40B4-BE49-F238E27FC236}">
+                <a16:creationId xmlns:a16="http://schemas.microsoft.com/office/drawing/2014/main" id="{94FD4EFC-D48A-DA3F-61E2-FA850FA6542E}"/>
+              </a:ext>
+            </a:extLst>
+          </p:cNvPr>
+          <p:cNvSpPr>
+            <a:spLocks noGrp="1"/>
+          </p:cNvSpPr>
+          <p:nvPr>
+            <p:ph type="title"/>
+          </p:nvPr>
+        </p:nvSpPr>
+        <p:spPr/>
+        <p:txBody>
+          <a:bodyPr/>
+          <a:lstStyle/>
+          <a:p>
+            <a:r>
+              <a:rPr lang="en-US" dirty="0"/>
+              <a:t>Writing Dataset-JSON</a:t>
+            </a:r>
+          </a:p>
+        </p:txBody>
+      </p:sp>
+      <p:sp>
+        <p:nvSpPr>
+          <p:cNvPr id="4" name="Slide Number Placeholder 3">
+            <a:extLst>
+              <a:ext uri="{FF2B5EF4-FFF2-40B4-BE49-F238E27FC236}">
+                <a16:creationId xmlns:a16="http://schemas.microsoft.com/office/drawing/2014/main" id="{6041F5D2-0822-CEBB-241C-9E51B349A05C}"/>
+              </a:ext>
+            </a:extLst>
+          </p:cNvPr>
+          <p:cNvSpPr>
+            <a:spLocks noGrp="1"/>
+          </p:cNvSpPr>
+          <p:nvPr>
+            <p:ph type="sldNum" sz="quarter" idx="12"/>
+          </p:nvPr>
+        </p:nvSpPr>
+        <p:spPr/>
+        <p:txBody>
+          <a:bodyPr/>
+          <a:lstStyle/>
+          <a:p>
+            <a:fld id="{EB4FF9C4-EEBF-D24D-8A4E-C0B9CCE3F975}" type="slidenum">
+              <a:rPr lang="en-US" smtClean="0"/>
+              <a:t>5</a:t>
+            </a:fld>
+            <a:endParaRPr lang="en-US"/>
+          </a:p>
+        </p:txBody>
+      </p:sp>
+      <p:pic>
+        <p:nvPicPr>
+          <p:cNvPr id="5" name="Picture 4">
+            <a:extLst>
+              <a:ext uri="{FF2B5EF4-FFF2-40B4-BE49-F238E27FC236}">
+                <a16:creationId xmlns:a16="http://schemas.microsoft.com/office/drawing/2014/main" id="{2109265E-5E5A-4E87-A6DA-6E94CCEFE4D6}"/>
+              </a:ext>
+            </a:extLst>
+          </p:cNvPr>
+          <p:cNvPicPr>
+            <a:picLocks noChangeAspect="1"/>
+          </p:cNvPicPr>
+          <p:nvPr/>
+        </p:nvPicPr>
+        <p:blipFill>
+          <a:blip r:embed="rId2"/>
+          <a:stretch>
+            <a:fillRect/>
+          </a:stretch>
+        </p:blipFill>
+        <p:spPr>
+          <a:xfrm>
+            <a:off x="1049936" y="652146"/>
+            <a:ext cx="5694623" cy="4001627"/>
+          </a:xfrm>
+          <a:prstGeom prst="rect">
+            <a:avLst/>
+          </a:prstGeom>
+        </p:spPr>
+      </p:pic>
+    </p:spTree>
+    <p:extLst>
+      <p:ext uri="{BB962C8B-B14F-4D97-AF65-F5344CB8AC3E}">
+        <p14:creationId xmlns:p14="http://schemas.microsoft.com/office/powerpoint/2010/main" val="2536555059"/>
       </p:ext>
     </p:extLst>
   </p:cSld>

--- a/doc/Dataset-JSON-Hackathon-SAS-implementation-LexJansen.pptx
+++ b/doc/Dataset-JSON-Hackathon-SAS-implementation-LexJansen.pptx
@@ -3529,7 +3529,52 @@
           <a:p>
             <a:r>
               <a:rPr lang="en-US" dirty="0"/>
-              <a:t>Using metadata</a:t>
+              <a:t>Using metadata from Define-XML</a:t>
+            </a:r>
+          </a:p>
+        </p:txBody>
+      </p:sp>
+      <p:sp>
+        <p:nvSpPr>
+          <p:cNvPr id="6" name="Content Placeholder 5">
+            <a:extLst>
+              <a:ext uri="{FF2B5EF4-FFF2-40B4-BE49-F238E27FC236}">
+                <a16:creationId xmlns:a16="http://schemas.microsoft.com/office/drawing/2014/main" id="{F2FE309F-89AA-4DD8-92FD-3CC8BFC20CA7}"/>
+              </a:ext>
+            </a:extLst>
+          </p:cNvPr>
+          <p:cNvSpPr>
+            <a:spLocks noGrp="1"/>
+          </p:cNvSpPr>
+          <p:nvPr>
+            <p:ph idx="1"/>
+          </p:nvPr>
+        </p:nvSpPr>
+        <p:spPr>
+          <a:xfrm>
+            <a:off x="550015" y="1111250"/>
+            <a:ext cx="4021985" cy="3521473"/>
+          </a:xfrm>
+        </p:spPr>
+        <p:txBody>
+          <a:bodyPr/>
+          <a:lstStyle/>
+          <a:p>
+            <a:r>
+              <a:rPr lang="en-US" dirty="0"/>
+              <a:t>Get variable formats from Define-XML when creating SAS datasets from Dataset-JSON (especially for numeric date/time variables)</a:t>
+            </a:r>
+          </a:p>
+          <a:p>
+            <a:r>
+              <a:rPr lang="en-US" dirty="0"/>
+              <a:t>Get OIDs from Define-XML when creating Dataset-JSON</a:t>
+            </a:r>
+          </a:p>
+          <a:p>
+            <a:r>
+              <a:rPr lang="en-US" dirty="0"/>
+              <a:t>Use pre-specified metadata from Define-XML (length, label, datatype) for creating Dataset-JSON</a:t>
             </a:r>
           </a:p>
         </p:txBody>
@@ -3565,10 +3610,10 @@
       </p:sp>
       <p:pic>
         <p:nvPicPr>
-          <p:cNvPr id="7" name="Picture 6">
+          <p:cNvPr id="5" name="Picture 4">
             <a:extLst>
               <a:ext uri="{FF2B5EF4-FFF2-40B4-BE49-F238E27FC236}">
-                <a16:creationId xmlns:a16="http://schemas.microsoft.com/office/drawing/2014/main" id="{90DA35BB-00AB-496A-AE08-919216FF7E2C}"/>
+                <a16:creationId xmlns:a16="http://schemas.microsoft.com/office/drawing/2014/main" id="{643E8BB5-B82C-47C5-ADAE-FA61173F5579}"/>
               </a:ext>
             </a:extLst>
           </p:cNvPr>
@@ -3585,8 +3630,8 @@
         </p:blipFill>
         <p:spPr>
           <a:xfrm>
-            <a:off x="2014430" y="709010"/>
-            <a:ext cx="5852808" cy="4262739"/>
+            <a:off x="4826384" y="1004141"/>
+            <a:ext cx="3972184" cy="3763122"/>
           </a:xfrm>
           <a:prstGeom prst="rect">
             <a:avLst/>
@@ -3646,7 +3691,15 @@
           <a:p>
             <a:r>
               <a:rPr lang="en-US" dirty="0"/>
-              <a:t>Reading Dataset-JSON</a:t>
+              <a:t>Reading Dataset-JSON  -  %</a:t>
+            </a:r>
+            <a:r>
+              <a:rPr lang="en-US" dirty="0" err="1"/>
+              <a:t>read_datasetjson</a:t>
+            </a:r>
+            <a:r>
+              <a:rPr lang="en-US" dirty="0"/>
+              <a:t>()</a:t>
             </a:r>
           </a:p>
         </p:txBody>
@@ -3682,10 +3735,10 @@
       </p:sp>
       <p:pic>
         <p:nvPicPr>
-          <p:cNvPr id="10" name="Picture 9">
+          <p:cNvPr id="5" name="Picture 4">
             <a:extLst>
               <a:ext uri="{FF2B5EF4-FFF2-40B4-BE49-F238E27FC236}">
-                <a16:creationId xmlns:a16="http://schemas.microsoft.com/office/drawing/2014/main" id="{133208DD-1B12-4B67-BE35-A4DC1ECD0E08}"/>
+                <a16:creationId xmlns:a16="http://schemas.microsoft.com/office/drawing/2014/main" id="{C7FEDF46-1168-4432-AF82-BCC76116BF82}"/>
               </a:ext>
             </a:extLst>
           </p:cNvPr>
@@ -3702,8 +3755,8 @@
         </p:blipFill>
         <p:spPr>
           <a:xfrm>
-            <a:off x="800100" y="945717"/>
-            <a:ext cx="5104762" cy="3342857"/>
+            <a:off x="800100" y="837193"/>
+            <a:ext cx="5047619" cy="3352381"/>
           </a:xfrm>
           <a:prstGeom prst="rect">
             <a:avLst/>
@@ -3763,7 +3816,15 @@
           <a:p>
             <a:r>
               <a:rPr lang="en-US" dirty="0"/>
-              <a:t>Writing Dataset-JSON</a:t>
+              <a:t>Writing Dataset-JSON  -  %</a:t>
+            </a:r>
+            <a:r>
+              <a:rPr lang="en-US" dirty="0" err="1"/>
+              <a:t>write_datasetjson</a:t>
+            </a:r>
+            <a:r>
+              <a:rPr lang="en-US" dirty="0"/>
+              <a:t>()</a:t>
             </a:r>
           </a:p>
         </p:txBody>
@@ -3799,10 +3860,10 @@
       </p:sp>
       <p:pic>
         <p:nvPicPr>
-          <p:cNvPr id="13" name="Picture 12">
+          <p:cNvPr id="5" name="Picture 4">
             <a:extLst>
               <a:ext uri="{FF2B5EF4-FFF2-40B4-BE49-F238E27FC236}">
-                <a16:creationId xmlns:a16="http://schemas.microsoft.com/office/drawing/2014/main" id="{C6833762-ADD0-48D9-A656-DDBFF2ED31D5}"/>
+                <a16:creationId xmlns:a16="http://schemas.microsoft.com/office/drawing/2014/main" id="{65474381-A442-47BB-9107-A832033BFE58}"/>
               </a:ext>
             </a:extLst>
           </p:cNvPr>
@@ -3819,8 +3880,8 @@
         </p:blipFill>
         <p:spPr>
           <a:xfrm>
-            <a:off x="800100" y="805083"/>
-            <a:ext cx="5266667" cy="3533333"/>
+            <a:off x="800100" y="824131"/>
+            <a:ext cx="5228571" cy="3495238"/>
           </a:xfrm>
           <a:prstGeom prst="rect">
             <a:avLst/>
@@ -3880,7 +3941,15 @@
           <a:p>
             <a:r>
               <a:rPr lang="en-US" dirty="0"/>
-              <a:t>Writing Dataset-JSON</a:t>
+              <a:t>Writing Dataset-JSON -  %</a:t>
+            </a:r>
+            <a:r>
+              <a:rPr lang="en-US" dirty="0" err="1"/>
+              <a:t>write_json</a:t>
+            </a:r>
+            <a:r>
+              <a:rPr lang="en-US" dirty="0"/>
+              <a:t>()</a:t>
             </a:r>
           </a:p>
         </p:txBody>
@@ -3916,10 +3985,10 @@
       </p:sp>
       <p:pic>
         <p:nvPicPr>
-          <p:cNvPr id="5" name="Picture 4">
+          <p:cNvPr id="8" name="Picture 7">
             <a:extLst>
               <a:ext uri="{FF2B5EF4-FFF2-40B4-BE49-F238E27FC236}">
-                <a16:creationId xmlns:a16="http://schemas.microsoft.com/office/drawing/2014/main" id="{2109265E-5E5A-4E87-A6DA-6E94CCEFE4D6}"/>
+                <a16:creationId xmlns:a16="http://schemas.microsoft.com/office/drawing/2014/main" id="{46D9A5D7-C5E6-41CD-B187-66703AEC327C}"/>
               </a:ext>
             </a:extLst>
           </p:cNvPr>
@@ -3936,8 +4005,8 @@
         </p:blipFill>
         <p:spPr>
           <a:xfrm>
-            <a:off x="1049936" y="652146"/>
-            <a:ext cx="5694623" cy="4001627"/>
+            <a:off x="1997413" y="792780"/>
+            <a:ext cx="5541253" cy="4135927"/>
           </a:xfrm>
           <a:prstGeom prst="rect">
             <a:avLst/>
@@ -4809,12 +4878,15 @@
 </file>
 
 <file path=customXml/item1.xml><?xml version="1.0" encoding="utf-8"?>
-<?mso-contentType ?>
-<FormTemplates xmlns="http://schemas.microsoft.com/sharepoint/v3/contenttype/forms">
-  <Display>DocumentLibraryForm</Display>
-  <Edit>DocumentLibraryForm</Edit>
-  <New>DocumentLibraryForm</New>
-</FormTemplates>
+<p:properties xmlns:p="http://schemas.microsoft.com/office/2006/metadata/properties" xmlns:xsi="http://www.w3.org/2001/XMLSchema-instance" xmlns:pc="http://schemas.microsoft.com/office/infopath/2007/PartnerControls">
+  <documentManagement>
+    <MediaLengthInSeconds xmlns="e4bfa1c1-cbed-43b5-9d42-fe24faecfd28" xsi:nil="true"/>
+    <lcf76f155ced4ddcb4097134ff3c332f xmlns="e4bfa1c1-cbed-43b5-9d42-fe24faecfd28">
+      <Terms xmlns="http://schemas.microsoft.com/office/infopath/2007/PartnerControls"/>
+    </lcf76f155ced4ddcb4097134ff3c332f>
+    <TaxCatchAll xmlns="6942efca-e753-43c0-b995-a96645848828" xsi:nil="true"/>
+  </documentManagement>
+</p:properties>
 </file>
 
 <file path=customXml/item2.xml><?xml version="1.0" encoding="utf-8"?>
@@ -5027,21 +5099,29 @@
 </file>
 
 <file path=customXml/item3.xml><?xml version="1.0" encoding="utf-8"?>
-<p:properties xmlns:p="http://schemas.microsoft.com/office/2006/metadata/properties" xmlns:xsi="http://www.w3.org/2001/XMLSchema-instance" xmlns:pc="http://schemas.microsoft.com/office/infopath/2007/PartnerControls">
-  <documentManagement>
-    <MediaLengthInSeconds xmlns="e4bfa1c1-cbed-43b5-9d42-fe24faecfd28" xsi:nil="true"/>
-    <lcf76f155ced4ddcb4097134ff3c332f xmlns="e4bfa1c1-cbed-43b5-9d42-fe24faecfd28">
-      <Terms xmlns="http://schemas.microsoft.com/office/infopath/2007/PartnerControls"/>
-    </lcf76f155ced4ddcb4097134ff3c332f>
-    <TaxCatchAll xmlns="6942efca-e753-43c0-b995-a96645848828" xsi:nil="true"/>
-  </documentManagement>
-</p:properties>
+<?mso-contentType ?>
+<FormTemplates xmlns="http://schemas.microsoft.com/sharepoint/v3/contenttype/forms">
+  <Display>DocumentLibraryForm</Display>
+  <Edit>DocumentLibraryForm</Edit>
+  <New>DocumentLibraryForm</New>
+</FormTemplates>
 </file>
 
 <file path=customXml/itemProps1.xml><?xml version="1.0" encoding="utf-8"?>
-<ds:datastoreItem xmlns:ds="http://schemas.openxmlformats.org/officeDocument/2006/customXml" ds:itemID="{3B69330B-154C-43B9-AAF7-1A571867C6C9}">
+<ds:datastoreItem xmlns:ds="http://schemas.openxmlformats.org/officeDocument/2006/customXml" ds:itemID="{EB3EAD0D-AD33-4DE9-A04C-ADBA8D81216E}">
   <ds:schemaRefs>
-    <ds:schemaRef ds:uri="http://schemas.microsoft.com/sharepoint/v3/contenttype/forms"/>
+    <ds:schemaRef ds:uri="http://schemas.microsoft.com/office/2006/metadata/properties"/>
+    <ds:schemaRef ds:uri="6cd05e2c-1080-4123-b907-f31487dbd913"/>
+    <ds:schemaRef ds:uri="http://www.w3.org/XML/1998/namespace"/>
+    <ds:schemaRef ds:uri="http://schemas.microsoft.com/office/2006/documentManagement/types"/>
+    <ds:schemaRef ds:uri="http://schemas.microsoft.com/office/infopath/2007/PartnerControls"/>
+    <ds:schemaRef ds:uri="http://purl.org/dc/dcmitype/"/>
+    <ds:schemaRef ds:uri="http://schemas.openxmlformats.org/package/2006/metadata/core-properties"/>
+    <ds:schemaRef ds:uri="42fd8685-662d-4ea0-adda-db2055aa5e88"/>
+    <ds:schemaRef ds:uri="http://purl.org/dc/terms/"/>
+    <ds:schemaRef ds:uri="http://purl.org/dc/elements/1.1/"/>
+    <ds:schemaRef ds:uri="e4bfa1c1-cbed-43b5-9d42-fe24faecfd28"/>
+    <ds:schemaRef ds:uri="6942efca-e753-43c0-b995-a96645848828"/>
   </ds:schemaRefs>
 </ds:datastoreItem>
 </file>
@@ -5066,20 +5146,9 @@
 </file>
 
 <file path=customXml/itemProps3.xml><?xml version="1.0" encoding="utf-8"?>
-<ds:datastoreItem xmlns:ds="http://schemas.openxmlformats.org/officeDocument/2006/customXml" ds:itemID="{EB3EAD0D-AD33-4DE9-A04C-ADBA8D81216E}">
+<ds:datastoreItem xmlns:ds="http://schemas.openxmlformats.org/officeDocument/2006/customXml" ds:itemID="{3B69330B-154C-43B9-AAF7-1A571867C6C9}">
   <ds:schemaRefs>
-    <ds:schemaRef ds:uri="http://schemas.microsoft.com/office/2006/metadata/properties"/>
-    <ds:schemaRef ds:uri="6cd05e2c-1080-4123-b907-f31487dbd913"/>
-    <ds:schemaRef ds:uri="http://www.w3.org/XML/1998/namespace"/>
-    <ds:schemaRef ds:uri="http://schemas.microsoft.com/office/2006/documentManagement/types"/>
-    <ds:schemaRef ds:uri="http://schemas.microsoft.com/office/infopath/2007/PartnerControls"/>
-    <ds:schemaRef ds:uri="http://purl.org/dc/dcmitype/"/>
-    <ds:schemaRef ds:uri="http://schemas.openxmlformats.org/package/2006/metadata/core-properties"/>
-    <ds:schemaRef ds:uri="42fd8685-662d-4ea0-adda-db2055aa5e88"/>
-    <ds:schemaRef ds:uri="http://purl.org/dc/terms/"/>
-    <ds:schemaRef ds:uri="http://purl.org/dc/elements/1.1/"/>
-    <ds:schemaRef ds:uri="e4bfa1c1-cbed-43b5-9d42-fe24faecfd28"/>
-    <ds:schemaRef ds:uri="6942efca-e753-43c0-b995-a96645848828"/>
+    <ds:schemaRef ds:uri="http://schemas.microsoft.com/sharepoint/v3/contenttype/forms"/>
   </ds:schemaRefs>
 </ds:datastoreItem>
 </file>
--- a/doc/Dataset-JSON-Hackathon-SAS-implementation-LexJansen.pptx
+++ b/doc/Dataset-JSON-Hackathon-SAS-implementation-LexJansen.pptx
@@ -467,7 +467,7 @@
           <a:p>
             <a:fld id="{DF2B9998-7FC2-40BB-812D-D42712794F0A}" type="datetimeFigureOut">
               <a:rPr lang="en-US" smtClean="0"/>
-              <a:t>2022-12-08</a:t>
+              <a:t>2022-12-13</a:t>
             </a:fld>
             <a:endParaRPr lang="en-US"/>
           </a:p>
@@ -644,7 +644,7 @@
           <a:p>
             <a:fld id="{19EE1A3E-C737-584E-86B0-F484DE311626}" type="datetimeFigureOut">
               <a:rPr lang="en-US" smtClean="0"/>
-              <a:t>2022-12-08</a:t>
+              <a:t>2022-12-13</a:t>
             </a:fld>
             <a:endParaRPr lang="en-US"/>
           </a:p>
@@ -2878,7 +2878,7 @@
             <a:fld id="{A39D7527-A277-E24D-9A56-20081ADC979C}" type="datetime1">
               <a:rPr lang="en-US" smtClean="0"/>
               <a:pPr/>
-              <a:t>2022-12-08</a:t>
+              <a:t>2022-12-13</a:t>
             </a:fld>
             <a:endParaRPr lang="en-US" dirty="0"/>
           </a:p>
@@ -3735,10 +3735,10 @@
       </p:sp>
       <p:pic>
         <p:nvPicPr>
-          <p:cNvPr id="5" name="Picture 4">
+          <p:cNvPr id="6" name="Picture 5">
             <a:extLst>
               <a:ext uri="{FF2B5EF4-FFF2-40B4-BE49-F238E27FC236}">
-                <a16:creationId xmlns:a16="http://schemas.microsoft.com/office/drawing/2014/main" id="{C7FEDF46-1168-4432-AF82-BCC76116BF82}"/>
+                <a16:creationId xmlns:a16="http://schemas.microsoft.com/office/drawing/2014/main" id="{C1858F33-3EDB-2571-E42A-D08F2A63B2F3}"/>
               </a:ext>
             </a:extLst>
           </p:cNvPr>
@@ -3755,8 +3755,8 @@
         </p:blipFill>
         <p:spPr>
           <a:xfrm>
-            <a:off x="800100" y="837193"/>
-            <a:ext cx="5047619" cy="3352381"/>
+            <a:off x="1132254" y="723950"/>
+            <a:ext cx="5661478" cy="3816788"/>
           </a:xfrm>
           <a:prstGeom prst="rect">
             <a:avLst/>
@@ -3860,10 +3860,10 @@
       </p:sp>
       <p:pic>
         <p:nvPicPr>
-          <p:cNvPr id="5" name="Picture 4">
+          <p:cNvPr id="6" name="Picture 5">
             <a:extLst>
               <a:ext uri="{FF2B5EF4-FFF2-40B4-BE49-F238E27FC236}">
-                <a16:creationId xmlns:a16="http://schemas.microsoft.com/office/drawing/2014/main" id="{65474381-A442-47BB-9107-A832033BFE58}"/>
+                <a16:creationId xmlns:a16="http://schemas.microsoft.com/office/drawing/2014/main" id="{CFC3B8A1-E7DA-328B-CA4F-D89CE9D66F72}"/>
               </a:ext>
             </a:extLst>
           </p:cNvPr>
@@ -3880,8 +3880,8 @@
         </p:blipFill>
         <p:spPr>
           <a:xfrm>
-            <a:off x="800100" y="824131"/>
-            <a:ext cx="5228571" cy="3495238"/>
+            <a:off x="1719744" y="720834"/>
+            <a:ext cx="6047411" cy="4046429"/>
           </a:xfrm>
           <a:prstGeom prst="rect">
             <a:avLst/>
@@ -3985,10 +3985,10 @@
       </p:sp>
       <p:pic>
         <p:nvPicPr>
-          <p:cNvPr id="8" name="Picture 7">
+          <p:cNvPr id="5" name="Picture 4">
             <a:extLst>
               <a:ext uri="{FF2B5EF4-FFF2-40B4-BE49-F238E27FC236}">
-                <a16:creationId xmlns:a16="http://schemas.microsoft.com/office/drawing/2014/main" id="{46D9A5D7-C5E6-41CD-B187-66703AEC327C}"/>
+                <a16:creationId xmlns:a16="http://schemas.microsoft.com/office/drawing/2014/main" id="{53F01ECA-9DB0-7B7C-8171-BB2B4490ED13}"/>
               </a:ext>
             </a:extLst>
           </p:cNvPr>
@@ -4005,8 +4005,8 @@
         </p:blipFill>
         <p:spPr>
           <a:xfrm>
-            <a:off x="1997413" y="792780"/>
-            <a:ext cx="5541253" cy="4135927"/>
+            <a:off x="1834336" y="661178"/>
+            <a:ext cx="5576928" cy="4329144"/>
           </a:xfrm>
           <a:prstGeom prst="rect">
             <a:avLst/>
@@ -4878,15 +4878,12 @@
 </file>
 
 <file path=customXml/item1.xml><?xml version="1.0" encoding="utf-8"?>
-<p:properties xmlns:p="http://schemas.microsoft.com/office/2006/metadata/properties" xmlns:xsi="http://www.w3.org/2001/XMLSchema-instance" xmlns:pc="http://schemas.microsoft.com/office/infopath/2007/PartnerControls">
-  <documentManagement>
-    <MediaLengthInSeconds xmlns="e4bfa1c1-cbed-43b5-9d42-fe24faecfd28" xsi:nil="true"/>
-    <lcf76f155ced4ddcb4097134ff3c332f xmlns="e4bfa1c1-cbed-43b5-9d42-fe24faecfd28">
-      <Terms xmlns="http://schemas.microsoft.com/office/infopath/2007/PartnerControls"/>
-    </lcf76f155ced4ddcb4097134ff3c332f>
-    <TaxCatchAll xmlns="6942efca-e753-43c0-b995-a96645848828" xsi:nil="true"/>
-  </documentManagement>
-</p:properties>
+<?mso-contentType ?>
+<FormTemplates xmlns="http://schemas.microsoft.com/sharepoint/v3/contenttype/forms">
+  <Display>DocumentLibraryForm</Display>
+  <Edit>DocumentLibraryForm</Edit>
+  <New>DocumentLibraryForm</New>
+</FormTemplates>
 </file>
 
 <file path=customXml/item2.xml><?xml version="1.0" encoding="utf-8"?>
@@ -5099,29 +5096,21 @@
 </file>
 
 <file path=customXml/item3.xml><?xml version="1.0" encoding="utf-8"?>
-<?mso-contentType ?>
-<FormTemplates xmlns="http://schemas.microsoft.com/sharepoint/v3/contenttype/forms">
-  <Display>DocumentLibraryForm</Display>
-  <Edit>DocumentLibraryForm</Edit>
-  <New>DocumentLibraryForm</New>
-</FormTemplates>
+<p:properties xmlns:p="http://schemas.microsoft.com/office/2006/metadata/properties" xmlns:xsi="http://www.w3.org/2001/XMLSchema-instance" xmlns:pc="http://schemas.microsoft.com/office/infopath/2007/PartnerControls">
+  <documentManagement>
+    <MediaLengthInSeconds xmlns="e4bfa1c1-cbed-43b5-9d42-fe24faecfd28" xsi:nil="true"/>
+    <lcf76f155ced4ddcb4097134ff3c332f xmlns="e4bfa1c1-cbed-43b5-9d42-fe24faecfd28">
+      <Terms xmlns="http://schemas.microsoft.com/office/infopath/2007/PartnerControls"/>
+    </lcf76f155ced4ddcb4097134ff3c332f>
+    <TaxCatchAll xmlns="6942efca-e753-43c0-b995-a96645848828" xsi:nil="true"/>
+  </documentManagement>
+</p:properties>
 </file>
 
 <file path=customXml/itemProps1.xml><?xml version="1.0" encoding="utf-8"?>
-<ds:datastoreItem xmlns:ds="http://schemas.openxmlformats.org/officeDocument/2006/customXml" ds:itemID="{EB3EAD0D-AD33-4DE9-A04C-ADBA8D81216E}">
+<ds:datastoreItem xmlns:ds="http://schemas.openxmlformats.org/officeDocument/2006/customXml" ds:itemID="{3B69330B-154C-43B9-AAF7-1A571867C6C9}">
   <ds:schemaRefs>
-    <ds:schemaRef ds:uri="http://schemas.microsoft.com/office/2006/metadata/properties"/>
-    <ds:schemaRef ds:uri="6cd05e2c-1080-4123-b907-f31487dbd913"/>
-    <ds:schemaRef ds:uri="http://www.w3.org/XML/1998/namespace"/>
-    <ds:schemaRef ds:uri="http://schemas.microsoft.com/office/2006/documentManagement/types"/>
-    <ds:schemaRef ds:uri="http://schemas.microsoft.com/office/infopath/2007/PartnerControls"/>
-    <ds:schemaRef ds:uri="http://purl.org/dc/dcmitype/"/>
-    <ds:schemaRef ds:uri="http://schemas.openxmlformats.org/package/2006/metadata/core-properties"/>
-    <ds:schemaRef ds:uri="42fd8685-662d-4ea0-adda-db2055aa5e88"/>
-    <ds:schemaRef ds:uri="http://purl.org/dc/terms/"/>
-    <ds:schemaRef ds:uri="http://purl.org/dc/elements/1.1/"/>
-    <ds:schemaRef ds:uri="e4bfa1c1-cbed-43b5-9d42-fe24faecfd28"/>
-    <ds:schemaRef ds:uri="6942efca-e753-43c0-b995-a96645848828"/>
+    <ds:schemaRef ds:uri="http://schemas.microsoft.com/sharepoint/v3/contenttype/forms"/>
   </ds:schemaRefs>
 </ds:datastoreItem>
 </file>
@@ -5146,9 +5135,20 @@
 </file>
 
 <file path=customXml/itemProps3.xml><?xml version="1.0" encoding="utf-8"?>
-<ds:datastoreItem xmlns:ds="http://schemas.openxmlformats.org/officeDocument/2006/customXml" ds:itemID="{3B69330B-154C-43B9-AAF7-1A571867C6C9}">
+<ds:datastoreItem xmlns:ds="http://schemas.openxmlformats.org/officeDocument/2006/customXml" ds:itemID="{EB3EAD0D-AD33-4DE9-A04C-ADBA8D81216E}">
   <ds:schemaRefs>
-    <ds:schemaRef ds:uri="http://schemas.microsoft.com/sharepoint/v3/contenttype/forms"/>
+    <ds:schemaRef ds:uri="http://schemas.microsoft.com/office/2006/metadata/properties"/>
+    <ds:schemaRef ds:uri="6cd05e2c-1080-4123-b907-f31487dbd913"/>
+    <ds:schemaRef ds:uri="http://www.w3.org/XML/1998/namespace"/>
+    <ds:schemaRef ds:uri="http://schemas.microsoft.com/office/2006/documentManagement/types"/>
+    <ds:schemaRef ds:uri="http://schemas.microsoft.com/office/infopath/2007/PartnerControls"/>
+    <ds:schemaRef ds:uri="http://purl.org/dc/dcmitype/"/>
+    <ds:schemaRef ds:uri="http://schemas.openxmlformats.org/package/2006/metadata/core-properties"/>
+    <ds:schemaRef ds:uri="42fd8685-662d-4ea0-adda-db2055aa5e88"/>
+    <ds:schemaRef ds:uri="http://purl.org/dc/terms/"/>
+    <ds:schemaRef ds:uri="http://purl.org/dc/elements/1.1/"/>
+    <ds:schemaRef ds:uri="e4bfa1c1-cbed-43b5-9d42-fe24faecfd28"/>
+    <ds:schemaRef ds:uri="6942efca-e753-43c0-b995-a96645848828"/>
   </ds:schemaRefs>
 </ds:datastoreItem>
 </file>
--- a/doc/Dataset-JSON-Hackathon-SAS-implementation-LexJansen.pptx
+++ b/doc/Dataset-JSON-Hackathon-SAS-implementation-LexJansen.pptx
@@ -467,7 +467,7 @@
           <a:p>
             <a:fld id="{DF2B9998-7FC2-40BB-812D-D42712794F0A}" type="datetimeFigureOut">
               <a:rPr lang="en-US" smtClean="0"/>
-              <a:t>2022-12-13</a:t>
+              <a:t>2023-07-25</a:t>
             </a:fld>
             <a:endParaRPr lang="en-US"/>
           </a:p>
@@ -644,7 +644,7 @@
           <a:p>
             <a:fld id="{19EE1A3E-C737-584E-86B0-F484DE311626}" type="datetimeFigureOut">
               <a:rPr lang="en-US" smtClean="0"/>
-              <a:t>2022-12-13</a:t>
+              <a:t>2023-07-25</a:t>
             </a:fld>
             <a:endParaRPr lang="en-US"/>
           </a:p>
@@ -2878,7 +2878,7 @@
             <a:fld id="{A39D7527-A277-E24D-9A56-20081ADC979C}" type="datetime1">
               <a:rPr lang="en-US" smtClean="0"/>
               <a:pPr/>
-              <a:t>2022-12-13</a:t>
+              <a:t>2023-07-25</a:t>
             </a:fld>
             <a:endParaRPr lang="en-US" dirty="0"/>
           </a:p>
@@ -3735,10 +3735,10 @@
       </p:sp>
       <p:pic>
         <p:nvPicPr>
-          <p:cNvPr id="6" name="Picture 5">
+          <p:cNvPr id="5" name="Picture 4">
             <a:extLst>
               <a:ext uri="{FF2B5EF4-FFF2-40B4-BE49-F238E27FC236}">
-                <a16:creationId xmlns:a16="http://schemas.microsoft.com/office/drawing/2014/main" id="{C1858F33-3EDB-2571-E42A-D08F2A63B2F3}"/>
+                <a16:creationId xmlns:a16="http://schemas.microsoft.com/office/drawing/2014/main" id="{2F055CDF-DDB8-91F8-E07C-DC8BF99EBE60}"/>
               </a:ext>
             </a:extLst>
           </p:cNvPr>
@@ -3755,8 +3755,8 @@
         </p:blipFill>
         <p:spPr>
           <a:xfrm>
-            <a:off x="1132254" y="723950"/>
-            <a:ext cx="5661478" cy="3816788"/>
+            <a:off x="1751949" y="751804"/>
+            <a:ext cx="6628571" cy="4152381"/>
           </a:xfrm>
           <a:prstGeom prst="rect">
             <a:avLst/>
@@ -3860,10 +3860,10 @@
       </p:sp>
       <p:pic>
         <p:nvPicPr>
-          <p:cNvPr id="6" name="Picture 5">
+          <p:cNvPr id="5" name="Picture 4">
             <a:extLst>
               <a:ext uri="{FF2B5EF4-FFF2-40B4-BE49-F238E27FC236}">
-                <a16:creationId xmlns:a16="http://schemas.microsoft.com/office/drawing/2014/main" id="{CFC3B8A1-E7DA-328B-CA4F-D89CE9D66F72}"/>
+                <a16:creationId xmlns:a16="http://schemas.microsoft.com/office/drawing/2014/main" id="{60C89201-5FA9-8B67-6BCC-685A4E6ACC65}"/>
               </a:ext>
             </a:extLst>
           </p:cNvPr>
@@ -3880,8 +3880,8 @@
         </p:blipFill>
         <p:spPr>
           <a:xfrm>
-            <a:off x="1719744" y="720834"/>
-            <a:ext cx="6047411" cy="4046429"/>
+            <a:off x="1875758" y="994172"/>
+            <a:ext cx="6504762" cy="3942857"/>
           </a:xfrm>
           <a:prstGeom prst="rect">
             <a:avLst/>
@@ -3945,7 +3945,7 @@
             </a:r>
             <a:r>
               <a:rPr lang="en-US" dirty="0" err="1"/>
-              <a:t>write_json</a:t>
+              <a:t>write_datasetjson</a:t>
             </a:r>
             <a:r>
               <a:rPr lang="en-US" dirty="0"/>
@@ -3985,10 +3985,10 @@
       </p:sp>
       <p:pic>
         <p:nvPicPr>
-          <p:cNvPr id="5" name="Picture 4">
+          <p:cNvPr id="6" name="Picture 5">
             <a:extLst>
               <a:ext uri="{FF2B5EF4-FFF2-40B4-BE49-F238E27FC236}">
-                <a16:creationId xmlns:a16="http://schemas.microsoft.com/office/drawing/2014/main" id="{53F01ECA-9DB0-7B7C-8171-BB2B4490ED13}"/>
+                <a16:creationId xmlns:a16="http://schemas.microsoft.com/office/drawing/2014/main" id="{CA6CECE9-6CEA-2E16-2B6B-CC7A8F47AEBD}"/>
               </a:ext>
             </a:extLst>
           </p:cNvPr>
@@ -4005,8 +4005,8 @@
         </p:blipFill>
         <p:spPr>
           <a:xfrm>
-            <a:off x="1834336" y="661178"/>
-            <a:ext cx="5576928" cy="4329144"/>
+            <a:off x="1896281" y="809289"/>
+            <a:ext cx="6447619" cy="4142857"/>
           </a:xfrm>
           <a:prstGeom prst="rect">
             <a:avLst/>
@@ -4878,12 +4878,15 @@
 </file>
 
 <file path=customXml/item1.xml><?xml version="1.0" encoding="utf-8"?>
-<?mso-contentType ?>
-<FormTemplates xmlns="http://schemas.microsoft.com/sharepoint/v3/contenttype/forms">
-  <Display>DocumentLibraryForm</Display>
-  <Edit>DocumentLibraryForm</Edit>
-  <New>DocumentLibraryForm</New>
-</FormTemplates>
+<p:properties xmlns:p="http://schemas.microsoft.com/office/2006/metadata/properties" xmlns:xsi="http://www.w3.org/2001/XMLSchema-instance" xmlns:pc="http://schemas.microsoft.com/office/infopath/2007/PartnerControls">
+  <documentManagement>
+    <MediaLengthInSeconds xmlns="e4bfa1c1-cbed-43b5-9d42-fe24faecfd28" xsi:nil="true"/>
+    <lcf76f155ced4ddcb4097134ff3c332f xmlns="e4bfa1c1-cbed-43b5-9d42-fe24faecfd28">
+      <Terms xmlns="http://schemas.microsoft.com/office/infopath/2007/PartnerControls"/>
+    </lcf76f155ced4ddcb4097134ff3c332f>
+    <TaxCatchAll xmlns="6942efca-e753-43c0-b995-a96645848828" xsi:nil="true"/>
+  </documentManagement>
+</p:properties>
 </file>
 
 <file path=customXml/item2.xml><?xml version="1.0" encoding="utf-8"?>
@@ -5096,21 +5099,29 @@
 </file>
 
 <file path=customXml/item3.xml><?xml version="1.0" encoding="utf-8"?>
-<p:properties xmlns:p="http://schemas.microsoft.com/office/2006/metadata/properties" xmlns:xsi="http://www.w3.org/2001/XMLSchema-instance" xmlns:pc="http://schemas.microsoft.com/office/infopath/2007/PartnerControls">
-  <documentManagement>
-    <MediaLengthInSeconds xmlns="e4bfa1c1-cbed-43b5-9d42-fe24faecfd28" xsi:nil="true"/>
-    <lcf76f155ced4ddcb4097134ff3c332f xmlns="e4bfa1c1-cbed-43b5-9d42-fe24faecfd28">
-      <Terms xmlns="http://schemas.microsoft.com/office/infopath/2007/PartnerControls"/>
-    </lcf76f155ced4ddcb4097134ff3c332f>
-    <TaxCatchAll xmlns="6942efca-e753-43c0-b995-a96645848828" xsi:nil="true"/>
-  </documentManagement>
-</p:properties>
+<?mso-contentType ?>
+<FormTemplates xmlns="http://schemas.microsoft.com/sharepoint/v3/contenttype/forms">
+  <Display>DocumentLibraryForm</Display>
+  <Edit>DocumentLibraryForm</Edit>
+  <New>DocumentLibraryForm</New>
+</FormTemplates>
 </file>
 
 <file path=customXml/itemProps1.xml><?xml version="1.0" encoding="utf-8"?>
-<ds:datastoreItem xmlns:ds="http://schemas.openxmlformats.org/officeDocument/2006/customXml" ds:itemID="{3B69330B-154C-43B9-AAF7-1A571867C6C9}">
+<ds:datastoreItem xmlns:ds="http://schemas.openxmlformats.org/officeDocument/2006/customXml" ds:itemID="{EB3EAD0D-AD33-4DE9-A04C-ADBA8D81216E}">
   <ds:schemaRefs>
-    <ds:schemaRef ds:uri="http://schemas.microsoft.com/sharepoint/v3/contenttype/forms"/>
+    <ds:schemaRef ds:uri="http://schemas.microsoft.com/office/2006/metadata/properties"/>
+    <ds:schemaRef ds:uri="6cd05e2c-1080-4123-b907-f31487dbd913"/>
+    <ds:schemaRef ds:uri="http://www.w3.org/XML/1998/namespace"/>
+    <ds:schemaRef ds:uri="http://schemas.microsoft.com/office/2006/documentManagement/types"/>
+    <ds:schemaRef ds:uri="http://schemas.microsoft.com/office/infopath/2007/PartnerControls"/>
+    <ds:schemaRef ds:uri="http://purl.org/dc/dcmitype/"/>
+    <ds:schemaRef ds:uri="http://schemas.openxmlformats.org/package/2006/metadata/core-properties"/>
+    <ds:schemaRef ds:uri="42fd8685-662d-4ea0-adda-db2055aa5e88"/>
+    <ds:schemaRef ds:uri="http://purl.org/dc/terms/"/>
+    <ds:schemaRef ds:uri="http://purl.org/dc/elements/1.1/"/>
+    <ds:schemaRef ds:uri="e4bfa1c1-cbed-43b5-9d42-fe24faecfd28"/>
+    <ds:schemaRef ds:uri="6942efca-e753-43c0-b995-a96645848828"/>
   </ds:schemaRefs>
 </ds:datastoreItem>
 </file>
@@ -5135,20 +5146,9 @@
 </file>
 
 <file path=customXml/itemProps3.xml><?xml version="1.0" encoding="utf-8"?>
-<ds:datastoreItem xmlns:ds="http://schemas.openxmlformats.org/officeDocument/2006/customXml" ds:itemID="{EB3EAD0D-AD33-4DE9-A04C-ADBA8D81216E}">
+<ds:datastoreItem xmlns:ds="http://schemas.openxmlformats.org/officeDocument/2006/customXml" ds:itemID="{3B69330B-154C-43B9-AAF7-1A571867C6C9}">
   <ds:schemaRefs>
-    <ds:schemaRef ds:uri="http://schemas.microsoft.com/office/2006/metadata/properties"/>
-    <ds:schemaRef ds:uri="6cd05e2c-1080-4123-b907-f31487dbd913"/>
-    <ds:schemaRef ds:uri="http://www.w3.org/XML/1998/namespace"/>
-    <ds:schemaRef ds:uri="http://schemas.microsoft.com/office/2006/documentManagement/types"/>
-    <ds:schemaRef ds:uri="http://schemas.microsoft.com/office/infopath/2007/PartnerControls"/>
-    <ds:schemaRef ds:uri="http://purl.org/dc/dcmitype/"/>
-    <ds:schemaRef ds:uri="http://schemas.openxmlformats.org/package/2006/metadata/core-properties"/>
-    <ds:schemaRef ds:uri="42fd8685-662d-4ea0-adda-db2055aa5e88"/>
-    <ds:schemaRef ds:uri="http://purl.org/dc/terms/"/>
-    <ds:schemaRef ds:uri="http://purl.org/dc/elements/1.1/"/>
-    <ds:schemaRef ds:uri="e4bfa1c1-cbed-43b5-9d42-fe24faecfd28"/>
-    <ds:schemaRef ds:uri="6942efca-e753-43c0-b995-a96645848828"/>
+    <ds:schemaRef ds:uri="http://schemas.microsoft.com/sharepoint/v3/contenttype/forms"/>
   </ds:schemaRefs>
 </ds:datastoreItem>
 </file>
--- a/doc/Dataset-JSON-Hackathon-SAS-implementation-LexJansen.pptx
+++ b/doc/Dataset-JSON-Hackathon-SAS-implementation-LexJansen.pptx
@@ -13,9 +13,9 @@
   <p:sldIdLst>
     <p:sldId id="278" r:id="rId5"/>
     <p:sldId id="276" r:id="rId6"/>
-    <p:sldId id="280" r:id="rId7"/>
-    <p:sldId id="277" r:id="rId8"/>
-    <p:sldId id="279" r:id="rId9"/>
+    <p:sldId id="277" r:id="rId7"/>
+    <p:sldId id="279" r:id="rId8"/>
+    <p:sldId id="280" r:id="rId9"/>
   </p:sldIdLst>
   <p:sldSz cx="9144000" cy="5143500" type="screen16x9"/>
   <p:notesSz cx="6858000" cy="9144000"/>
@@ -467,7 +467,7 @@
           <a:p>
             <a:fld id="{DF2B9998-7FC2-40BB-812D-D42712794F0A}" type="datetimeFigureOut">
               <a:rPr lang="en-US" smtClean="0"/>
-              <a:t>2023-07-25</a:t>
+              <a:t>2023-10-03</a:t>
             </a:fld>
             <a:endParaRPr lang="en-US"/>
           </a:p>
@@ -644,7 +644,7 @@
           <a:p>
             <a:fld id="{19EE1A3E-C737-584E-86B0-F484DE311626}" type="datetimeFigureOut">
               <a:rPr lang="en-US" smtClean="0"/>
-              <a:t>2023-07-25</a:t>
+              <a:t>2023-10-03</a:t>
             </a:fld>
             <a:endParaRPr lang="en-US"/>
           </a:p>
@@ -2878,7 +2878,7 @@
             <a:fld id="{A39D7527-A277-E24D-9A56-20081ADC979C}" type="datetime1">
               <a:rPr lang="en-US" smtClean="0"/>
               <a:pPr/>
-              <a:t>2023-07-25</a:t>
+              <a:t>2023-10-03</a:t>
             </a:fld>
             <a:endParaRPr lang="en-US" dirty="0"/>
           </a:p>
@@ -3691,11 +3691,11 @@
           <a:p>
             <a:r>
               <a:rPr lang="en-US" dirty="0"/>
-              <a:t>Reading Dataset-JSON  -  %</a:t>
+              <a:t>Writing Dataset-JSON  -  %</a:t>
             </a:r>
             <a:r>
               <a:rPr lang="en-US" dirty="0" err="1"/>
-              <a:t>read_datasetjson</a:t>
+              <a:t>write_datasetjson</a:t>
             </a:r>
             <a:r>
               <a:rPr lang="en-US" dirty="0"/>
@@ -3728,131 +3728,6 @@
             <a:fld id="{EB4FF9C4-EEBF-D24D-8A4E-C0B9CCE3F975}" type="slidenum">
               <a:rPr lang="en-US" smtClean="0"/>
               <a:t>3</a:t>
-            </a:fld>
-            <a:endParaRPr lang="en-US"/>
-          </a:p>
-        </p:txBody>
-      </p:sp>
-      <p:pic>
-        <p:nvPicPr>
-          <p:cNvPr id="5" name="Picture 4">
-            <a:extLst>
-              <a:ext uri="{FF2B5EF4-FFF2-40B4-BE49-F238E27FC236}">
-                <a16:creationId xmlns:a16="http://schemas.microsoft.com/office/drawing/2014/main" id="{2F055CDF-DDB8-91F8-E07C-DC8BF99EBE60}"/>
-              </a:ext>
-            </a:extLst>
-          </p:cNvPr>
-          <p:cNvPicPr>
-            <a:picLocks noChangeAspect="1"/>
-          </p:cNvPicPr>
-          <p:nvPr/>
-        </p:nvPicPr>
-        <p:blipFill>
-          <a:blip r:embed="rId2"/>
-          <a:stretch>
-            <a:fillRect/>
-          </a:stretch>
-        </p:blipFill>
-        <p:spPr>
-          <a:xfrm>
-            <a:off x="1751949" y="751804"/>
-            <a:ext cx="6628571" cy="4152381"/>
-          </a:xfrm>
-          <a:prstGeom prst="rect">
-            <a:avLst/>
-          </a:prstGeom>
-        </p:spPr>
-      </p:pic>
-    </p:spTree>
-    <p:extLst>
-      <p:ext uri="{BB962C8B-B14F-4D97-AF65-F5344CB8AC3E}">
-        <p14:creationId xmlns:p14="http://schemas.microsoft.com/office/powerpoint/2010/main" val="616607396"/>
-      </p:ext>
-    </p:extLst>
-  </p:cSld>
-  <p:clrMapOvr>
-    <a:masterClrMapping/>
-  </p:clrMapOvr>
-</p:sld>
-</file>
-
-<file path=ppt/slides/slide4.xml><?xml version="1.0" encoding="utf-8"?>
-<p:sld xmlns:a="http://schemas.openxmlformats.org/drawingml/2006/main" xmlns:r="http://schemas.openxmlformats.org/officeDocument/2006/relationships" xmlns:p="http://schemas.openxmlformats.org/presentationml/2006/main">
-  <p:cSld>
-    <p:spTree>
-      <p:nvGrpSpPr>
-        <p:cNvPr id="1" name=""/>
-        <p:cNvGrpSpPr/>
-        <p:nvPr/>
-      </p:nvGrpSpPr>
-      <p:grpSpPr>
-        <a:xfrm>
-          <a:off x="0" y="0"/>
-          <a:ext cx="0" cy="0"/>
-          <a:chOff x="0" y="0"/>
-          <a:chExt cx="0" cy="0"/>
-        </a:xfrm>
-      </p:grpSpPr>
-      <p:sp>
-        <p:nvSpPr>
-          <p:cNvPr id="2" name="Title 1">
-            <a:extLst>
-              <a:ext uri="{FF2B5EF4-FFF2-40B4-BE49-F238E27FC236}">
-                <a16:creationId xmlns:a16="http://schemas.microsoft.com/office/drawing/2014/main" id="{94FD4EFC-D48A-DA3F-61E2-FA850FA6542E}"/>
-              </a:ext>
-            </a:extLst>
-          </p:cNvPr>
-          <p:cNvSpPr>
-            <a:spLocks noGrp="1"/>
-          </p:cNvSpPr>
-          <p:nvPr>
-            <p:ph type="title"/>
-          </p:nvPr>
-        </p:nvSpPr>
-        <p:spPr/>
-        <p:txBody>
-          <a:bodyPr/>
-          <a:lstStyle/>
-          <a:p>
-            <a:r>
-              <a:rPr lang="en-US" dirty="0"/>
-              <a:t>Writing Dataset-JSON  -  %</a:t>
-            </a:r>
-            <a:r>
-              <a:rPr lang="en-US" dirty="0" err="1"/>
-              <a:t>write_datasetjson</a:t>
-            </a:r>
-            <a:r>
-              <a:rPr lang="en-US" dirty="0"/>
-              <a:t>()</a:t>
-            </a:r>
-          </a:p>
-        </p:txBody>
-      </p:sp>
-      <p:sp>
-        <p:nvSpPr>
-          <p:cNvPr id="4" name="Slide Number Placeholder 3">
-            <a:extLst>
-              <a:ext uri="{FF2B5EF4-FFF2-40B4-BE49-F238E27FC236}">
-                <a16:creationId xmlns:a16="http://schemas.microsoft.com/office/drawing/2014/main" id="{6041F5D2-0822-CEBB-241C-9E51B349A05C}"/>
-              </a:ext>
-            </a:extLst>
-          </p:cNvPr>
-          <p:cNvSpPr>
-            <a:spLocks noGrp="1"/>
-          </p:cNvSpPr>
-          <p:nvPr>
-            <p:ph type="sldNum" sz="quarter" idx="12"/>
-          </p:nvPr>
-        </p:nvSpPr>
-        <p:spPr/>
-        <p:txBody>
-          <a:bodyPr/>
-          <a:lstStyle/>
-          <a:p>
-            <a:fld id="{EB4FF9C4-EEBF-D24D-8A4E-C0B9CCE3F975}" type="slidenum">
-              <a:rPr lang="en-US" smtClean="0"/>
-              <a:t>4</a:t>
             </a:fld>
             <a:endParaRPr lang="en-US"/>
           </a:p>
@@ -3901,7 +3776,7 @@
 </p:sld>
 </file>
 
-<file path=ppt/slides/slide5.xml><?xml version="1.0" encoding="utf-8"?>
+<file path=ppt/slides/slide4.xml><?xml version="1.0" encoding="utf-8"?>
 <p:sld xmlns:a="http://schemas.openxmlformats.org/drawingml/2006/main" xmlns:r="http://schemas.openxmlformats.org/officeDocument/2006/relationships" xmlns:p="http://schemas.openxmlformats.org/presentationml/2006/main">
   <p:cSld>
     <p:spTree>
@@ -3977,7 +3852,7 @@
           <a:p>
             <a:fld id="{EB4FF9C4-EEBF-D24D-8A4E-C0B9CCE3F975}" type="slidenum">
               <a:rPr lang="en-US" smtClean="0"/>
-              <a:t>5</a:t>
+              <a:t>4</a:t>
             </a:fld>
             <a:endParaRPr lang="en-US"/>
           </a:p>
@@ -4017,6 +3892,161 @@
     <p:extLst>
       <p:ext uri="{BB962C8B-B14F-4D97-AF65-F5344CB8AC3E}">
         <p14:creationId xmlns:p14="http://schemas.microsoft.com/office/powerpoint/2010/main" val="2536555059"/>
+      </p:ext>
+    </p:extLst>
+  </p:cSld>
+  <p:clrMapOvr>
+    <a:masterClrMapping/>
+  </p:clrMapOvr>
+</p:sld>
+</file>
+
+<file path=ppt/slides/slide5.xml><?xml version="1.0" encoding="utf-8"?>
+<p:sld xmlns:a="http://schemas.openxmlformats.org/drawingml/2006/main" xmlns:r="http://schemas.openxmlformats.org/officeDocument/2006/relationships" xmlns:p="http://schemas.openxmlformats.org/presentationml/2006/main">
+  <p:cSld>
+    <p:spTree>
+      <p:nvGrpSpPr>
+        <p:cNvPr id="1" name=""/>
+        <p:cNvGrpSpPr/>
+        <p:nvPr/>
+      </p:nvGrpSpPr>
+      <p:grpSpPr>
+        <a:xfrm>
+          <a:off x="0" y="0"/>
+          <a:ext cx="0" cy="0"/>
+          <a:chOff x="0" y="0"/>
+          <a:chExt cx="0" cy="0"/>
+        </a:xfrm>
+      </p:grpSpPr>
+      <p:sp>
+        <p:nvSpPr>
+          <p:cNvPr id="2" name="Title 1">
+            <a:extLst>
+              <a:ext uri="{FF2B5EF4-FFF2-40B4-BE49-F238E27FC236}">
+                <a16:creationId xmlns:a16="http://schemas.microsoft.com/office/drawing/2014/main" id="{94FD4EFC-D48A-DA3F-61E2-FA850FA6542E}"/>
+              </a:ext>
+            </a:extLst>
+          </p:cNvPr>
+          <p:cNvSpPr>
+            <a:spLocks noGrp="1"/>
+          </p:cNvSpPr>
+          <p:nvPr>
+            <p:ph type="title"/>
+          </p:nvPr>
+        </p:nvSpPr>
+        <p:spPr/>
+        <p:txBody>
+          <a:bodyPr/>
+          <a:lstStyle/>
+          <a:p>
+            <a:r>
+              <a:rPr lang="en-US" dirty="0"/>
+              <a:t>Reading Dataset-JSON  -  %</a:t>
+            </a:r>
+            <a:r>
+              <a:rPr lang="en-US" dirty="0" err="1"/>
+              <a:t>read_datasetjson</a:t>
+            </a:r>
+            <a:r>
+              <a:rPr lang="en-US" dirty="0"/>
+              <a:t>()</a:t>
+            </a:r>
+          </a:p>
+        </p:txBody>
+      </p:sp>
+      <p:sp>
+        <p:nvSpPr>
+          <p:cNvPr id="4" name="Slide Number Placeholder 3">
+            <a:extLst>
+              <a:ext uri="{FF2B5EF4-FFF2-40B4-BE49-F238E27FC236}">
+                <a16:creationId xmlns:a16="http://schemas.microsoft.com/office/drawing/2014/main" id="{6041F5D2-0822-CEBB-241C-9E51B349A05C}"/>
+              </a:ext>
+            </a:extLst>
+          </p:cNvPr>
+          <p:cNvSpPr>
+            <a:spLocks noGrp="1"/>
+          </p:cNvSpPr>
+          <p:nvPr>
+            <p:ph type="sldNum" sz="quarter" idx="12"/>
+          </p:nvPr>
+        </p:nvSpPr>
+        <p:spPr/>
+        <p:txBody>
+          <a:bodyPr/>
+          <a:lstStyle/>
+          <a:p>
+            <a:fld id="{EB4FF9C4-EEBF-D24D-8A4E-C0B9CCE3F975}" type="slidenum">
+              <a:rPr lang="en-US" smtClean="0"/>
+              <a:t>5</a:t>
+            </a:fld>
+            <a:endParaRPr lang="en-US"/>
+          </a:p>
+        </p:txBody>
+      </p:sp>
+      <p:pic>
+        <p:nvPicPr>
+          <p:cNvPr id="6" name="Picture 5">
+            <a:extLst>
+              <a:ext uri="{FF2B5EF4-FFF2-40B4-BE49-F238E27FC236}">
+                <a16:creationId xmlns:a16="http://schemas.microsoft.com/office/drawing/2014/main" id="{C934109E-4570-5D33-AA40-FCA69E16C305}"/>
+              </a:ext>
+            </a:extLst>
+          </p:cNvPr>
+          <p:cNvPicPr>
+            <a:picLocks noChangeAspect="1"/>
+          </p:cNvPicPr>
+          <p:nvPr/>
+        </p:nvPicPr>
+        <p:blipFill>
+          <a:blip r:embed="rId2"/>
+          <a:stretch>
+            <a:fillRect/>
+          </a:stretch>
+        </p:blipFill>
+        <p:spPr>
+          <a:xfrm>
+            <a:off x="1009759" y="791598"/>
+            <a:ext cx="3783025" cy="1960391"/>
+          </a:xfrm>
+          <a:prstGeom prst="rect">
+            <a:avLst/>
+          </a:prstGeom>
+        </p:spPr>
+      </p:pic>
+      <p:pic>
+        <p:nvPicPr>
+          <p:cNvPr id="8" name="Picture 7">
+            <a:extLst>
+              <a:ext uri="{FF2B5EF4-FFF2-40B4-BE49-F238E27FC236}">
+                <a16:creationId xmlns:a16="http://schemas.microsoft.com/office/drawing/2014/main" id="{9E7D94E1-486C-8EAA-A3C3-4E7CC3F9DCFD}"/>
+              </a:ext>
+            </a:extLst>
+          </p:cNvPr>
+          <p:cNvPicPr>
+            <a:picLocks noChangeAspect="1"/>
+          </p:cNvPicPr>
+          <p:nvPr/>
+        </p:nvPicPr>
+        <p:blipFill>
+          <a:blip r:embed="rId3"/>
+          <a:stretch>
+            <a:fillRect/>
+          </a:stretch>
+        </p:blipFill>
+        <p:spPr>
+          <a:xfrm>
+            <a:off x="3742560" y="2806873"/>
+            <a:ext cx="3798917" cy="1960390"/>
+          </a:xfrm>
+          <a:prstGeom prst="rect">
+            <a:avLst/>
+          </a:prstGeom>
+        </p:spPr>
+      </p:pic>
+    </p:spTree>
+    <p:extLst>
+      <p:ext uri="{BB962C8B-B14F-4D97-AF65-F5344CB8AC3E}">
+        <p14:creationId xmlns:p14="http://schemas.microsoft.com/office/powerpoint/2010/main" val="616607396"/>
       </p:ext>
     </p:extLst>
   </p:cSld>
@@ -4890,6 +4920,15 @@
 </file>
 
 <file path=customXml/item2.xml><?xml version="1.0" encoding="utf-8"?>
+<?mso-contentType ?>
+<FormTemplates xmlns="http://schemas.microsoft.com/sharepoint/v3/contenttype/forms">
+  <Display>DocumentLibraryForm</Display>
+  <Edit>DocumentLibraryForm</Edit>
+  <New>DocumentLibraryForm</New>
+</FormTemplates>
+</file>
+
+<file path=customXml/item3.xml><?xml version="1.0" encoding="utf-8"?>
 <ct:contentTypeSchema xmlns:ct="http://schemas.microsoft.com/office/2006/metadata/contentType" xmlns:ma="http://schemas.microsoft.com/office/2006/metadata/properties/metaAttributes" ct:_="" ma:_="" ma:contentTypeName="Document" ma:contentTypeID="0x0101005A6A1B337AA7BA4E952C4E740E353475" ma:contentTypeVersion="13" ma:contentTypeDescription="Create a new document." ma:contentTypeScope="" ma:versionID="c37cfd79050db6a25620d78daee6be26">
   <xsd:schema xmlns:xsd="http://www.w3.org/2001/XMLSchema" xmlns:xs="http://www.w3.org/2001/XMLSchema" xmlns:p="http://schemas.microsoft.com/office/2006/metadata/properties" xmlns:ns2="e4bfa1c1-cbed-43b5-9d42-fe24faecfd28" xmlns:ns3="6942efca-e753-43c0-b995-a96645848828" targetNamespace="http://schemas.microsoft.com/office/2006/metadata/properties" ma:root="true" ma:fieldsID="77e30390f662fc7d374527f5046b1bfd" ns2:_="" ns3:_="">
     <xsd:import namespace="e4bfa1c1-cbed-43b5-9d42-fe24faecfd28"/>
@@ -5098,15 +5137,6 @@
 </ct:contentTypeSchema>
 </file>
 
-<file path=customXml/item3.xml><?xml version="1.0" encoding="utf-8"?>
-<?mso-contentType ?>
-<FormTemplates xmlns="http://schemas.microsoft.com/sharepoint/v3/contenttype/forms">
-  <Display>DocumentLibraryForm</Display>
-  <Edit>DocumentLibraryForm</Edit>
-  <New>DocumentLibraryForm</New>
-</FormTemplates>
-</file>
-
 <file path=customXml/itemProps1.xml><?xml version="1.0" encoding="utf-8"?>
 <ds:datastoreItem xmlns:ds="http://schemas.openxmlformats.org/officeDocument/2006/customXml" ds:itemID="{EB3EAD0D-AD33-4DE9-A04C-ADBA8D81216E}">
   <ds:schemaRefs>
@@ -5127,6 +5157,14 @@
 </file>
 
 <file path=customXml/itemProps2.xml><?xml version="1.0" encoding="utf-8"?>
+<ds:datastoreItem xmlns:ds="http://schemas.openxmlformats.org/officeDocument/2006/customXml" ds:itemID="{3B69330B-154C-43B9-AAF7-1A571867C6C9}">
+  <ds:schemaRefs>
+    <ds:schemaRef ds:uri="http://schemas.microsoft.com/sharepoint/v3/contenttype/forms"/>
+  </ds:schemaRefs>
+</ds:datastoreItem>
+</file>
+
+<file path=customXml/itemProps3.xml><?xml version="1.0" encoding="utf-8"?>
 <ds:datastoreItem xmlns:ds="http://schemas.openxmlformats.org/officeDocument/2006/customXml" ds:itemID="{B03281B0-DB90-43CF-97C9-8642ABDCB1EA}">
   <ds:schemaRefs>
     <ds:schemaRef ds:uri="http://schemas.microsoft.com/office/2006/metadata/contentType"/>
@@ -5143,12 +5181,4 @@
     <ds:schemaRef ds:uri="http://schemas.microsoft.com/internal/obd"/>
   </ds:schemaRefs>
 </ds:datastoreItem>
-</file>
-
-<file path=customXml/itemProps3.xml><?xml version="1.0" encoding="utf-8"?>
-<ds:datastoreItem xmlns:ds="http://schemas.openxmlformats.org/officeDocument/2006/customXml" ds:itemID="{3B69330B-154C-43B9-AAF7-1A571867C6C9}">
-  <ds:schemaRefs>
-    <ds:schemaRef ds:uri="http://schemas.microsoft.com/sharepoint/v3/contenttype/forms"/>
-  </ds:schemaRefs>
-</ds:datastoreItem>
 </file>